--- a/Singular Value Powerpoints/SVD 10 Filters Snippet 1.pptx
+++ b/Singular Value Powerpoints/SVD 10 Filters Snippet 1.pptx
@@ -8,15 +8,15 @@
     <p:sldId id="257" r:id="rId5"/>
     <p:sldId id="258" r:id="rId6"/>
     <p:sldId id="259" r:id="rId7"/>
-    <p:sldId id="260" r:id="rId8"/>
-    <p:sldId id="261" r:id="rId9"/>
-    <p:sldId id="263" r:id="rId10"/>
-    <p:sldId id="264" r:id="rId11"/>
+    <p:sldId id="269" r:id="rId8"/>
+    <p:sldId id="267" r:id="rId9"/>
+    <p:sldId id="268" r:id="rId10"/>
+    <p:sldId id="266" r:id="rId11"/>
     <p:sldId id="265" r:id="rId12"/>
-    <p:sldId id="266" r:id="rId13"/>
-    <p:sldId id="267" r:id="rId14"/>
-    <p:sldId id="268" r:id="rId15"/>
-    <p:sldId id="269" r:id="rId16"/>
+    <p:sldId id="264" r:id="rId13"/>
+    <p:sldId id="263" r:id="rId14"/>
+    <p:sldId id="261" r:id="rId15"/>
+    <p:sldId id="260" r:id="rId16"/>
     <p:sldId id="270" r:id="rId17"/>
   </p:sldIdLst>
   <p:sldSz cx="12192000" cy="6858000"/>
@@ -951,7 +951,7 @@
           <a:p>
             <a:fld id="{2FAA3BAB-C8E8-4DC7-8A32-B15DF81BCF92}" type="datetimeFigureOut">
               <a:rPr lang="en-US" smtClean="0"/>
-              <a:t>4/26/2021</a:t>
+              <a:t>5/8/21</a:t>
             </a:fld>
             <a:endParaRPr lang="en-US"/>
           </a:p>
@@ -1149,7 +1149,7 @@
           <a:p>
             <a:fld id="{2FAA3BAB-C8E8-4DC7-8A32-B15DF81BCF92}" type="datetimeFigureOut">
               <a:rPr lang="en-US" smtClean="0"/>
-              <a:t>4/26/2021</a:t>
+              <a:t>5/8/21</a:t>
             </a:fld>
             <a:endParaRPr lang="en-US"/>
           </a:p>
@@ -1357,7 +1357,7 @@
           <a:p>
             <a:fld id="{2FAA3BAB-C8E8-4DC7-8A32-B15DF81BCF92}" type="datetimeFigureOut">
               <a:rPr lang="en-US" smtClean="0"/>
-              <a:t>4/26/2021</a:t>
+              <a:t>5/8/21</a:t>
             </a:fld>
             <a:endParaRPr lang="en-US"/>
           </a:p>
@@ -1555,7 +1555,7 @@
           <a:p>
             <a:fld id="{2FAA3BAB-C8E8-4DC7-8A32-B15DF81BCF92}" type="datetimeFigureOut">
               <a:rPr lang="en-US" smtClean="0"/>
-              <a:t>4/26/2021</a:t>
+              <a:t>5/8/21</a:t>
             </a:fld>
             <a:endParaRPr lang="en-US"/>
           </a:p>
@@ -1830,7 +1830,7 @@
           <a:p>
             <a:fld id="{2FAA3BAB-C8E8-4DC7-8A32-B15DF81BCF92}" type="datetimeFigureOut">
               <a:rPr lang="en-US" smtClean="0"/>
-              <a:t>4/26/2021</a:t>
+              <a:t>5/8/21</a:t>
             </a:fld>
             <a:endParaRPr lang="en-US"/>
           </a:p>
@@ -2095,7 +2095,7 @@
           <a:p>
             <a:fld id="{2FAA3BAB-C8E8-4DC7-8A32-B15DF81BCF92}" type="datetimeFigureOut">
               <a:rPr lang="en-US" smtClean="0"/>
-              <a:t>4/26/2021</a:t>
+              <a:t>5/8/21</a:t>
             </a:fld>
             <a:endParaRPr lang="en-US"/>
           </a:p>
@@ -2507,7 +2507,7 @@
           <a:p>
             <a:fld id="{2FAA3BAB-C8E8-4DC7-8A32-B15DF81BCF92}" type="datetimeFigureOut">
               <a:rPr lang="en-US" smtClean="0"/>
-              <a:t>4/26/2021</a:t>
+              <a:t>5/8/21</a:t>
             </a:fld>
             <a:endParaRPr lang="en-US"/>
           </a:p>
@@ -2648,7 +2648,7 @@
           <a:p>
             <a:fld id="{2FAA3BAB-C8E8-4DC7-8A32-B15DF81BCF92}" type="datetimeFigureOut">
               <a:rPr lang="en-US" smtClean="0"/>
-              <a:t>4/26/2021</a:t>
+              <a:t>5/8/21</a:t>
             </a:fld>
             <a:endParaRPr lang="en-US"/>
           </a:p>
@@ -2761,7 +2761,7 @@
           <a:p>
             <a:fld id="{2FAA3BAB-C8E8-4DC7-8A32-B15DF81BCF92}" type="datetimeFigureOut">
               <a:rPr lang="en-US" smtClean="0"/>
-              <a:t>4/26/2021</a:t>
+              <a:t>5/8/21</a:t>
             </a:fld>
             <a:endParaRPr lang="en-US"/>
           </a:p>
@@ -3072,7 +3072,7 @@
           <a:p>
             <a:fld id="{2FAA3BAB-C8E8-4DC7-8A32-B15DF81BCF92}" type="datetimeFigureOut">
               <a:rPr lang="en-US" smtClean="0"/>
-              <a:t>4/26/2021</a:t>
+              <a:t>5/8/21</a:t>
             </a:fld>
             <a:endParaRPr lang="en-US"/>
           </a:p>
@@ -3360,7 +3360,7 @@
           <a:p>
             <a:fld id="{2FAA3BAB-C8E8-4DC7-8A32-B15DF81BCF92}" type="datetimeFigureOut">
               <a:rPr lang="en-US" smtClean="0"/>
-              <a:t>4/26/2021</a:t>
+              <a:t>5/8/21</a:t>
             </a:fld>
             <a:endParaRPr lang="en-US"/>
           </a:p>
@@ -3601,7 +3601,7 @@
           <a:p>
             <a:fld id="{2FAA3BAB-C8E8-4DC7-8A32-B15DF81BCF92}" type="datetimeFigureOut">
               <a:rPr lang="en-US" smtClean="0"/>
-              <a:t>4/26/2021</a:t>
+              <a:t>5/8/21</a:t>
             </a:fld>
             <a:endParaRPr lang="en-US"/>
           </a:p>
@@ -4211,19 +4211,17 @@
       </p:sp>
       <p:pic>
         <p:nvPicPr>
-          <p:cNvPr id="10" name="Content Placeholder 9" descr="Chart&#10;&#10;Description automatically generated">
-            <a:extLst>
-              <a:ext uri="{FF2B5EF4-FFF2-40B4-BE49-F238E27FC236}">
-                <a16:creationId xmlns:a16="http://schemas.microsoft.com/office/drawing/2014/main" id="{A4DBEB7D-90CA-4F93-B97B-B524D3AD46CA}"/>
+          <p:cNvPr id="11" name="Picture 10" descr="Chart&#10;&#10;Description automatically generated">
+            <a:extLst>
+              <a:ext uri="{FF2B5EF4-FFF2-40B4-BE49-F238E27FC236}">
+                <a16:creationId xmlns:a16="http://schemas.microsoft.com/office/drawing/2014/main" id="{D8DF29AE-0907-437D-B85E-B6B915B1CCC2}"/>
               </a:ext>
             </a:extLst>
           </p:cNvPr>
           <p:cNvPicPr>
-            <a:picLocks noGrp="1" noChangeAspect="1"/>
+            <a:picLocks noChangeAspect="1"/>
           </p:cNvPicPr>
-          <p:nvPr>
-            <p:ph sz="half" idx="2"/>
-          </p:nvPr>
+          <p:nvPr/>
         </p:nvPicPr>
         <p:blipFill>
           <a:blip r:embed="rId2">
@@ -4239,17 +4237,20 @@
         </p:blipFill>
         <p:spPr>
           <a:xfrm>
-            <a:off x="7089059" y="365125"/>
-            <a:ext cx="4542503" cy="3406877"/>
-          </a:xfrm>
+            <a:off x="7089059" y="3772002"/>
+            <a:ext cx="3974592" cy="2980944"/>
+          </a:xfrm>
+          <a:prstGeom prst="rect">
+            <a:avLst/>
+          </a:prstGeom>
         </p:spPr>
       </p:pic>
       <p:pic>
         <p:nvPicPr>
-          <p:cNvPr id="3" name="Picture 2" descr="Chart&#10;&#10;Description automatically generated">
-            <a:extLst>
-              <a:ext uri="{FF2B5EF4-FFF2-40B4-BE49-F238E27FC236}">
-                <a16:creationId xmlns:a16="http://schemas.microsoft.com/office/drawing/2014/main" id="{7FF99A41-90DF-48D9-AA42-78FC8172BBCE}"/>
+          <p:cNvPr id="14" name="Picture 13" descr="Chart&#10;&#10;Description automatically generated with low confidence">
+            <a:extLst>
+              <a:ext uri="{FF2B5EF4-FFF2-40B4-BE49-F238E27FC236}">
+                <a16:creationId xmlns:a16="http://schemas.microsoft.com/office/drawing/2014/main" id="{6D9D60F4-7BA5-43EF-B053-196390BB2C8C}"/>
               </a:ext>
             </a:extLst>
           </p:cNvPr>
@@ -4272,8 +4273,8 @@
         </p:blipFill>
         <p:spPr>
           <a:xfrm>
-            <a:off x="7089059" y="3772002"/>
-            <a:ext cx="3974592" cy="2980944"/>
+            <a:off x="265471" y="1610236"/>
+            <a:ext cx="6667500" cy="5000625"/>
           </a:xfrm>
           <a:prstGeom prst="rect">
             <a:avLst/>
@@ -4285,7 +4286,7 @@
           <p:cNvPr id="6" name="Picture 5" descr="Chart&#10;&#10;Description automatically generated">
             <a:extLst>
               <a:ext uri="{FF2B5EF4-FFF2-40B4-BE49-F238E27FC236}">
-                <a16:creationId xmlns:a16="http://schemas.microsoft.com/office/drawing/2014/main" id="{3A2683FF-A7AF-4C98-8B64-C79195AFB660}"/>
+                <a16:creationId xmlns:a16="http://schemas.microsoft.com/office/drawing/2014/main" id="{AA98F51B-5640-3A41-A49C-51A5DFB64D73}"/>
               </a:ext>
             </a:extLst>
           </p:cNvPr>
@@ -4308,8 +4309,8 @@
         </p:blipFill>
         <p:spPr>
           <a:xfrm>
-            <a:off x="304445" y="1492250"/>
-            <a:ext cx="6667500" cy="5000625"/>
+            <a:off x="7063837" y="513715"/>
+            <a:ext cx="4556295" cy="3410712"/>
           </a:xfrm>
           <a:prstGeom prst="rect">
             <a:avLst/>
@@ -4319,7 +4320,7 @@
     </p:spTree>
     <p:extLst>
       <p:ext uri="{BB962C8B-B14F-4D97-AF65-F5344CB8AC3E}">
-        <p14:creationId xmlns:p14="http://schemas.microsoft.com/office/powerpoint/2010/main" val="2886163851"/>
+        <p14:creationId xmlns:p14="http://schemas.microsoft.com/office/powerpoint/2010/main" val="1286968106"/>
       </p:ext>
     </p:extLst>
   </p:cSld>
@@ -4381,19 +4382,17 @@
       </p:sp>
       <p:pic>
         <p:nvPicPr>
-          <p:cNvPr id="10" name="Content Placeholder 9" descr="Chart&#10;&#10;Description automatically generated">
-            <a:extLst>
-              <a:ext uri="{FF2B5EF4-FFF2-40B4-BE49-F238E27FC236}">
-                <a16:creationId xmlns:a16="http://schemas.microsoft.com/office/drawing/2014/main" id="{A4DBEB7D-90CA-4F93-B97B-B524D3AD46CA}"/>
+          <p:cNvPr id="13" name="Picture 12" descr="Chart, histogram&#10;&#10;Description automatically generated">
+            <a:extLst>
+              <a:ext uri="{FF2B5EF4-FFF2-40B4-BE49-F238E27FC236}">
+                <a16:creationId xmlns:a16="http://schemas.microsoft.com/office/drawing/2014/main" id="{AAB789F9-EF5E-4C76-8981-4BABEF2DD8E6}"/>
               </a:ext>
             </a:extLst>
           </p:cNvPr>
           <p:cNvPicPr>
-            <a:picLocks noGrp="1" noChangeAspect="1"/>
+            <a:picLocks noChangeAspect="1"/>
           </p:cNvPicPr>
-          <p:nvPr>
-            <p:ph sz="half" idx="2"/>
-          </p:nvPr>
+          <p:nvPr/>
         </p:nvPicPr>
         <p:blipFill>
           <a:blip r:embed="rId2">
@@ -4409,17 +4408,20 @@
         </p:blipFill>
         <p:spPr>
           <a:xfrm>
-            <a:off x="7089059" y="365125"/>
-            <a:ext cx="4542503" cy="3406877"/>
-          </a:xfrm>
+            <a:off x="7089059" y="3772002"/>
+            <a:ext cx="3974592" cy="2980944"/>
+          </a:xfrm>
+          <a:prstGeom prst="rect">
+            <a:avLst/>
+          </a:prstGeom>
         </p:spPr>
       </p:pic>
       <p:pic>
         <p:nvPicPr>
-          <p:cNvPr id="3" name="Picture 2" descr="Chart, histogram&#10;&#10;Description automatically generated">
-            <a:extLst>
-              <a:ext uri="{FF2B5EF4-FFF2-40B4-BE49-F238E27FC236}">
-                <a16:creationId xmlns:a16="http://schemas.microsoft.com/office/drawing/2014/main" id="{D18F98AF-6D9D-439C-B126-20E24BB7B489}"/>
+          <p:cNvPr id="15" name="Picture 14" descr="Chart&#10;&#10;Description automatically generated">
+            <a:extLst>
+              <a:ext uri="{FF2B5EF4-FFF2-40B4-BE49-F238E27FC236}">
+                <a16:creationId xmlns:a16="http://schemas.microsoft.com/office/drawing/2014/main" id="{2C8F0891-4BB7-4AD6-AC3E-261EDE9CA03F}"/>
               </a:ext>
             </a:extLst>
           </p:cNvPr>
@@ -4442,20 +4444,144 @@
         </p:blipFill>
         <p:spPr>
           <a:xfrm>
-            <a:off x="7089059" y="3772002"/>
-            <a:ext cx="3974592" cy="2980944"/>
+            <a:off x="316534" y="1492249"/>
+            <a:ext cx="6667500" cy="5000625"/>
           </a:xfrm>
           <a:prstGeom prst="rect">
             <a:avLst/>
           </a:prstGeom>
         </p:spPr>
       </p:pic>
+      <p:cxnSp>
+        <p:nvCxnSpPr>
+          <p:cNvPr id="16" name="Straight Arrow Connector 15">
+            <a:extLst>
+              <a:ext uri="{FF2B5EF4-FFF2-40B4-BE49-F238E27FC236}">
+                <a16:creationId xmlns:a16="http://schemas.microsoft.com/office/drawing/2014/main" id="{1A3649BF-08C5-4F8F-9B8C-924E7942B13E}"/>
+              </a:ext>
+            </a:extLst>
+          </p:cNvPr>
+          <p:cNvCxnSpPr>
+            <a:cxnSpLocks/>
+          </p:cNvCxnSpPr>
+          <p:nvPr/>
+        </p:nvCxnSpPr>
+        <p:spPr>
+          <a:xfrm>
+            <a:off x="561467" y="2699299"/>
+            <a:ext cx="451256" cy="505540"/>
+          </a:xfrm>
+          <a:prstGeom prst="straightConnector1">
+            <a:avLst/>
+          </a:prstGeom>
+          <a:ln w="38100">
+            <a:tailEnd type="triangle"/>
+          </a:ln>
+        </p:spPr>
+        <p:style>
+          <a:lnRef idx="1">
+            <a:schemeClr val="accent1"/>
+          </a:lnRef>
+          <a:fillRef idx="0">
+            <a:schemeClr val="accent1"/>
+          </a:fillRef>
+          <a:effectRef idx="0">
+            <a:schemeClr val="accent1"/>
+          </a:effectRef>
+          <a:fontRef idx="minor">
+            <a:schemeClr val="tx1"/>
+          </a:fontRef>
+        </p:style>
+      </p:cxnSp>
+      <p:sp>
+        <p:nvSpPr>
+          <p:cNvPr id="17" name="TextBox 16">
+            <a:extLst>
+              <a:ext uri="{FF2B5EF4-FFF2-40B4-BE49-F238E27FC236}">
+                <a16:creationId xmlns:a16="http://schemas.microsoft.com/office/drawing/2014/main" id="{5806F250-9065-4ABE-B4F7-7A10207A685A}"/>
+              </a:ext>
+            </a:extLst>
+          </p:cNvPr>
+          <p:cNvSpPr txBox="1"/>
+          <p:nvPr/>
+        </p:nvSpPr>
+        <p:spPr>
+          <a:xfrm>
+            <a:off x="22795" y="1535573"/>
+            <a:ext cx="1081548" cy="1200329"/>
+          </a:xfrm>
+          <a:prstGeom prst="rect">
+            <a:avLst/>
+          </a:prstGeom>
+          <a:noFill/>
+        </p:spPr>
+        <p:txBody>
+          <a:bodyPr wrap="square" rtlCol="0">
+            <a:spAutoFit/>
+          </a:bodyPr>
+          <a:lstStyle/>
+          <a:p>
+            <a:r>
+              <a:rPr lang="en-US" dirty="0"/>
+              <a:t>Narrow band nuisance signals</a:t>
+            </a:r>
+          </a:p>
+        </p:txBody>
+      </p:sp>
+      <p:sp>
+        <p:nvSpPr>
+          <p:cNvPr id="20" name="Left Brace 19">
+            <a:extLst>
+              <a:ext uri="{FF2B5EF4-FFF2-40B4-BE49-F238E27FC236}">
+                <a16:creationId xmlns:a16="http://schemas.microsoft.com/office/drawing/2014/main" id="{05C70EA4-5AA4-448E-9450-4F9BEE973845}"/>
+              </a:ext>
+            </a:extLst>
+          </p:cNvPr>
+          <p:cNvSpPr/>
+          <p:nvPr/>
+        </p:nvSpPr>
+        <p:spPr>
+          <a:xfrm>
+            <a:off x="1036253" y="2497394"/>
+            <a:ext cx="458250" cy="1956619"/>
+          </a:xfrm>
+          <a:prstGeom prst="leftBrace">
+            <a:avLst>
+              <a:gd name="adj1" fmla="val 8333"/>
+              <a:gd name="adj2" fmla="val 40018"/>
+            </a:avLst>
+          </a:prstGeom>
+          <a:ln w="38100"/>
+        </p:spPr>
+        <p:style>
+          <a:lnRef idx="1">
+            <a:schemeClr val="accent1"/>
+          </a:lnRef>
+          <a:fillRef idx="0">
+            <a:schemeClr val="accent1"/>
+          </a:fillRef>
+          <a:effectRef idx="0">
+            <a:schemeClr val="accent1"/>
+          </a:effectRef>
+          <a:fontRef idx="minor">
+            <a:schemeClr val="tx1"/>
+          </a:fontRef>
+        </p:style>
+        <p:txBody>
+          <a:bodyPr rtlCol="0" anchor="ctr"/>
+          <a:lstStyle/>
+          <a:p>
+            <a:pPr algn="ctr"/>
+            <a:endParaRPr lang="en-US"/>
+          </a:p>
+        </p:txBody>
+      </p:sp>
       <p:pic>
         <p:nvPicPr>
-          <p:cNvPr id="6" name="Picture 5" descr="Chart&#10;&#10;Description automatically generated">
-            <a:extLst>
-              <a:ext uri="{FF2B5EF4-FFF2-40B4-BE49-F238E27FC236}">
-                <a16:creationId xmlns:a16="http://schemas.microsoft.com/office/drawing/2014/main" id="{E92D50C1-949A-4E5F-AFFB-A7B1F0A1EC9F}"/>
+          <p:cNvPr id="9" name="Picture 8" descr="Chart&#10;&#10;Description automatically generated">
+            <a:extLst>
+              <a:ext uri="{FF2B5EF4-FFF2-40B4-BE49-F238E27FC236}">
+                <a16:creationId xmlns:a16="http://schemas.microsoft.com/office/drawing/2014/main" id="{71435CC1-4305-5A4A-90B0-2A7243B2D353}"/>
               </a:ext>
             </a:extLst>
           </p:cNvPr>
@@ -4478,8 +4604,8 @@
         </p:blipFill>
         <p:spPr>
           <a:xfrm>
-            <a:off x="421559" y="1378514"/>
-            <a:ext cx="6667500" cy="5000625"/>
+            <a:off x="7063837" y="513715"/>
+            <a:ext cx="4556295" cy="3410712"/>
           </a:xfrm>
           <a:prstGeom prst="rect">
             <a:avLst/>
@@ -4489,7 +4615,7 @@
     </p:spTree>
     <p:extLst>
       <p:ext uri="{BB962C8B-B14F-4D97-AF65-F5344CB8AC3E}">
-        <p14:creationId xmlns:p14="http://schemas.microsoft.com/office/powerpoint/2010/main" val="1567104307"/>
+        <p14:creationId xmlns:p14="http://schemas.microsoft.com/office/powerpoint/2010/main" val="2576847802"/>
       </p:ext>
     </p:extLst>
   </p:cSld>
@@ -4551,19 +4677,17 @@
       </p:sp>
       <p:pic>
         <p:nvPicPr>
-          <p:cNvPr id="10" name="Content Placeholder 9" descr="Chart&#10;&#10;Description automatically generated">
-            <a:extLst>
-              <a:ext uri="{FF2B5EF4-FFF2-40B4-BE49-F238E27FC236}">
-                <a16:creationId xmlns:a16="http://schemas.microsoft.com/office/drawing/2014/main" id="{A4DBEB7D-90CA-4F93-B97B-B524D3AD46CA}"/>
+          <p:cNvPr id="13" name="Picture 12" descr="Chart&#10;&#10;Description automatically generated">
+            <a:extLst>
+              <a:ext uri="{FF2B5EF4-FFF2-40B4-BE49-F238E27FC236}">
+                <a16:creationId xmlns:a16="http://schemas.microsoft.com/office/drawing/2014/main" id="{85B0F5D5-74D6-400A-A2DB-195479ACF484}"/>
               </a:ext>
             </a:extLst>
           </p:cNvPr>
           <p:cNvPicPr>
-            <a:picLocks noGrp="1" noChangeAspect="1"/>
+            <a:picLocks noChangeAspect="1"/>
           </p:cNvPicPr>
-          <p:nvPr>
-            <p:ph sz="half" idx="2"/>
-          </p:nvPr>
+          <p:nvPr/>
         </p:nvPicPr>
         <p:blipFill>
           <a:blip r:embed="rId2">
@@ -4579,17 +4703,20 @@
         </p:blipFill>
         <p:spPr>
           <a:xfrm>
-            <a:off x="7089059" y="365125"/>
-            <a:ext cx="4542503" cy="3406877"/>
-          </a:xfrm>
+            <a:off x="7089059" y="3736462"/>
+            <a:ext cx="3974592" cy="2980944"/>
+          </a:xfrm>
+          <a:prstGeom prst="rect">
+            <a:avLst/>
+          </a:prstGeom>
         </p:spPr>
       </p:pic>
       <p:pic>
         <p:nvPicPr>
-          <p:cNvPr id="3" name="Picture 2" descr="Chart&#10;&#10;Description automatically generated with low confidence">
-            <a:extLst>
-              <a:ext uri="{FF2B5EF4-FFF2-40B4-BE49-F238E27FC236}">
-                <a16:creationId xmlns:a16="http://schemas.microsoft.com/office/drawing/2014/main" id="{5D16902A-475E-4475-80B0-6DF01292F269}"/>
+          <p:cNvPr id="15" name="Picture 14" descr="Chart, line chart&#10;&#10;Description automatically generated">
+            <a:extLst>
+              <a:ext uri="{FF2B5EF4-FFF2-40B4-BE49-F238E27FC236}">
+                <a16:creationId xmlns:a16="http://schemas.microsoft.com/office/drawing/2014/main" id="{4A6B8822-B7E4-4611-9DBA-4FDB2B82B460}"/>
               </a:ext>
             </a:extLst>
           </p:cNvPr>
@@ -4612,8 +4739,8 @@
         </p:blipFill>
         <p:spPr>
           <a:xfrm>
-            <a:off x="7089059" y="3772002"/>
-            <a:ext cx="3974592" cy="2980944"/>
+            <a:off x="336199" y="1340504"/>
+            <a:ext cx="6667500" cy="5000625"/>
           </a:xfrm>
           <a:prstGeom prst="rect">
             <a:avLst/>
@@ -4622,10 +4749,10 @@
       </p:pic>
       <p:pic>
         <p:nvPicPr>
-          <p:cNvPr id="6" name="Picture 5" descr="Chart, diagram&#10;&#10;Description automatically generated">
-            <a:extLst>
-              <a:ext uri="{FF2B5EF4-FFF2-40B4-BE49-F238E27FC236}">
-                <a16:creationId xmlns:a16="http://schemas.microsoft.com/office/drawing/2014/main" id="{27FB321F-6874-4302-8E40-AA9DA1285814}"/>
+          <p:cNvPr id="6" name="Picture 5" descr="Chart&#10;&#10;Description automatically generated">
+            <a:extLst>
+              <a:ext uri="{FF2B5EF4-FFF2-40B4-BE49-F238E27FC236}">
+                <a16:creationId xmlns:a16="http://schemas.microsoft.com/office/drawing/2014/main" id="{D04DB1DC-B46A-0D41-9670-6BD0E8EA3020}"/>
               </a:ext>
             </a:extLst>
           </p:cNvPr>
@@ -4648,94 +4775,18 @@
         </p:blipFill>
         <p:spPr>
           <a:xfrm>
-            <a:off x="421559" y="1492250"/>
-            <a:ext cx="6667500" cy="5000625"/>
+            <a:off x="7063837" y="513715"/>
+            <a:ext cx="4556295" cy="3410712"/>
           </a:xfrm>
           <a:prstGeom prst="rect">
             <a:avLst/>
           </a:prstGeom>
         </p:spPr>
       </p:pic>
-      <p:cxnSp>
-        <p:nvCxnSpPr>
-          <p:cNvPr id="12" name="Straight Arrow Connector 11">
-            <a:extLst>
-              <a:ext uri="{FF2B5EF4-FFF2-40B4-BE49-F238E27FC236}">
-                <a16:creationId xmlns:a16="http://schemas.microsoft.com/office/drawing/2014/main" id="{24D506C9-36EA-4E15-BBBB-14C0D270068C}"/>
-              </a:ext>
-            </a:extLst>
-          </p:cNvPr>
-          <p:cNvCxnSpPr>
-            <a:cxnSpLocks/>
-          </p:cNvCxnSpPr>
-          <p:nvPr/>
-        </p:nvCxnSpPr>
-        <p:spPr>
-          <a:xfrm flipH="1">
-            <a:off x="4670323" y="3897297"/>
-            <a:ext cx="530942" cy="438729"/>
-          </a:xfrm>
-          <a:prstGeom prst="straightConnector1">
-            <a:avLst/>
-          </a:prstGeom>
-          <a:ln w="38100">
-            <a:tailEnd type="triangle"/>
-          </a:ln>
-        </p:spPr>
-        <p:style>
-          <a:lnRef idx="1">
-            <a:schemeClr val="accent1"/>
-          </a:lnRef>
-          <a:fillRef idx="0">
-            <a:schemeClr val="accent1"/>
-          </a:fillRef>
-          <a:effectRef idx="0">
-            <a:schemeClr val="accent1"/>
-          </a:effectRef>
-          <a:fontRef idx="minor">
-            <a:schemeClr val="tx1"/>
-          </a:fontRef>
-        </p:style>
-      </p:cxnSp>
-      <p:sp>
-        <p:nvSpPr>
-          <p:cNvPr id="13" name="TextBox 12">
-            <a:extLst>
-              <a:ext uri="{FF2B5EF4-FFF2-40B4-BE49-F238E27FC236}">
-                <a16:creationId xmlns:a16="http://schemas.microsoft.com/office/drawing/2014/main" id="{252E3708-F9AC-4165-B2F7-B6B3E113C2FA}"/>
-              </a:ext>
-            </a:extLst>
-          </p:cNvPr>
-          <p:cNvSpPr txBox="1"/>
-          <p:nvPr/>
-        </p:nvSpPr>
-        <p:spPr>
-          <a:xfrm>
-            <a:off x="4987818" y="3527965"/>
-            <a:ext cx="727969" cy="369332"/>
-          </a:xfrm>
-          <a:prstGeom prst="rect">
-            <a:avLst/>
-          </a:prstGeom>
-          <a:noFill/>
-        </p:spPr>
-        <p:txBody>
-          <a:bodyPr wrap="square" rtlCol="0">
-            <a:spAutoFit/>
-          </a:bodyPr>
-          <a:lstStyle/>
-          <a:p>
-            <a:r>
-              <a:rPr lang="en-US" dirty="0"/>
-              <a:t>SOI</a:t>
-            </a:r>
-          </a:p>
-        </p:txBody>
-      </p:sp>
     </p:spTree>
     <p:extLst>
       <p:ext uri="{BB962C8B-B14F-4D97-AF65-F5344CB8AC3E}">
-        <p14:creationId xmlns:p14="http://schemas.microsoft.com/office/powerpoint/2010/main" val="629351490"/>
+        <p14:creationId xmlns:p14="http://schemas.microsoft.com/office/powerpoint/2010/main" val="482760846"/>
       </p:ext>
     </p:extLst>
   </p:cSld>
@@ -4820,40 +4871,35 @@
             <a:pPr lvl="1"/>
             <a:r>
               <a:rPr lang="en-US" dirty="0"/>
-              <a:t>SOI can be seen in the SVD of Filter 1, 10, and a little bit in Filter 2</a:t>
+              <a:t>SOI can be seen in </a:t>
+            </a:r>
+            <a:r>
+              <a:rPr lang="en-US"/>
+              <a:t>the singular values </a:t>
+            </a:r>
+            <a:r>
+              <a:rPr lang="en-US" dirty="0"/>
+              <a:t>of Filter 1, 2, and a little bit in Filter 10</a:t>
             </a:r>
           </a:p>
           <a:p>
             <a:pPr lvl="1"/>
             <a:r>
               <a:rPr lang="en-US" dirty="0"/>
-              <a:t>Filter 3 shows the singular values of the narrow band nuisance signals</a:t>
+              <a:t>Filter 9 shows the singular values of the narrow band nuisance signals</a:t>
             </a:r>
           </a:p>
           <a:p>
             <a:pPr lvl="1"/>
             <a:r>
               <a:rPr lang="en-US" dirty="0"/>
-              <a:t>Filters 4-9 is just random noise</a:t>
+              <a:t>Filters 3-8 are just random noise</a:t>
             </a:r>
           </a:p>
           <a:p>
             <a:r>
               <a:rPr lang="en-US" dirty="0"/>
               <a:t>The results line up with what is expected when looking at the waterfall plots and filter frequency response</a:t>
-            </a:r>
-          </a:p>
-          <a:p>
-            <a:r>
-              <a:rPr lang="en-US" dirty="0"/>
-              <a:t>An improvement over just 4 filters</a:t>
-            </a:r>
-          </a:p>
-          <a:p>
-            <a:pPr lvl="1"/>
-            <a:r>
-              <a:rPr lang="en-US" dirty="0"/>
-              <a:t>SVD provides more details because the filters are narrower</a:t>
             </a:r>
           </a:p>
         </p:txBody>
@@ -5009,6 +5055,265 @@
           </a:p>
         </p:txBody>
       </p:sp>
+      <p:sp>
+        <p:nvSpPr>
+          <p:cNvPr id="6" name="Title 1">
+            <a:extLst>
+              <a:ext uri="{FF2B5EF4-FFF2-40B4-BE49-F238E27FC236}">
+                <a16:creationId xmlns:a16="http://schemas.microsoft.com/office/drawing/2014/main" id="{FEE09096-B005-B144-B18D-2798C030FC39}"/>
+              </a:ext>
+            </a:extLst>
+          </p:cNvPr>
+          <p:cNvSpPr txBox="1">
+            <a:spLocks/>
+          </p:cNvSpPr>
+          <p:nvPr/>
+        </p:nvSpPr>
+        <p:spPr>
+          <a:xfrm>
+            <a:off x="6096000" y="856272"/>
+            <a:ext cx="4114800" cy="1052428"/>
+          </a:xfrm>
+          <a:prstGeom prst="rect">
+            <a:avLst/>
+          </a:prstGeom>
+        </p:spPr>
+        <p:txBody>
+          <a:bodyPr vert="horz" lIns="91440" tIns="45720" rIns="91440" bIns="45720" rtlCol="0" anchor="b">
+            <a:normAutofit/>
+          </a:bodyPr>
+          <a:lstStyle>
+            <a:lvl1pPr algn="l" defTabSz="914400" rtl="0" eaLnBrk="1" latinLnBrk="0" hangingPunct="1">
+              <a:lnSpc>
+                <a:spcPct val="90000"/>
+              </a:lnSpc>
+              <a:spcBef>
+                <a:spcPct val="0"/>
+              </a:spcBef>
+              <a:buNone/>
+              <a:defRPr sz="4400" kern="1200">
+                <a:solidFill>
+                  <a:schemeClr val="tx1"/>
+                </a:solidFill>
+                <a:latin typeface="+mj-lt"/>
+                <a:ea typeface="+mj-ea"/>
+                <a:cs typeface="+mj-cs"/>
+              </a:defRPr>
+            </a:lvl1pPr>
+          </a:lstStyle>
+          <a:p>
+            <a:r>
+              <a:rPr lang="en-US" sz="3800" dirty="0"/>
+              <a:t>Waterfall Plots</a:t>
+            </a:r>
+          </a:p>
+        </p:txBody>
+      </p:sp>
+      <p:sp>
+        <p:nvSpPr>
+          <p:cNvPr id="7" name="Content Placeholder 2">
+            <a:extLst>
+              <a:ext uri="{FF2B5EF4-FFF2-40B4-BE49-F238E27FC236}">
+                <a16:creationId xmlns:a16="http://schemas.microsoft.com/office/drawing/2014/main" id="{28D59117-0F3F-1741-9259-1A20F11F9DE8}"/>
+              </a:ext>
+            </a:extLst>
+          </p:cNvPr>
+          <p:cNvSpPr txBox="1">
+            <a:spLocks/>
+          </p:cNvSpPr>
+          <p:nvPr/>
+        </p:nvSpPr>
+        <p:spPr>
+          <a:xfrm>
+            <a:off x="6195951" y="2116897"/>
+            <a:ext cx="4114800" cy="3245804"/>
+          </a:xfrm>
+          <a:prstGeom prst="rect">
+            <a:avLst/>
+          </a:prstGeom>
+        </p:spPr>
+        <p:txBody>
+          <a:bodyPr vert="horz" lIns="91440" tIns="45720" rIns="91440" bIns="45720" rtlCol="0">
+            <a:normAutofit/>
+          </a:bodyPr>
+          <a:lstStyle>
+            <a:lvl1pPr marL="228600" indent="-228600" algn="l" defTabSz="914400" rtl="0" eaLnBrk="1" latinLnBrk="0" hangingPunct="1">
+              <a:lnSpc>
+                <a:spcPct val="90000"/>
+              </a:lnSpc>
+              <a:spcBef>
+                <a:spcPts val="1000"/>
+              </a:spcBef>
+              <a:buFont typeface="Arial" panose="020B0604020202020204" pitchFamily="34" charset="0"/>
+              <a:buChar char="•"/>
+              <a:defRPr sz="2800" kern="1200">
+                <a:solidFill>
+                  <a:schemeClr val="tx1"/>
+                </a:solidFill>
+                <a:latin typeface="+mn-lt"/>
+                <a:ea typeface="+mn-ea"/>
+                <a:cs typeface="+mn-cs"/>
+              </a:defRPr>
+            </a:lvl1pPr>
+            <a:lvl2pPr marL="685800" indent="-228600" algn="l" defTabSz="914400" rtl="0" eaLnBrk="1" latinLnBrk="0" hangingPunct="1">
+              <a:lnSpc>
+                <a:spcPct val="90000"/>
+              </a:lnSpc>
+              <a:spcBef>
+                <a:spcPts val="500"/>
+              </a:spcBef>
+              <a:buFont typeface="Arial" panose="020B0604020202020204" pitchFamily="34" charset="0"/>
+              <a:buChar char="•"/>
+              <a:defRPr sz="2400" kern="1200">
+                <a:solidFill>
+                  <a:schemeClr val="tx1"/>
+                </a:solidFill>
+                <a:latin typeface="+mn-lt"/>
+                <a:ea typeface="+mn-ea"/>
+                <a:cs typeface="+mn-cs"/>
+              </a:defRPr>
+            </a:lvl2pPr>
+            <a:lvl3pPr marL="1143000" indent="-228600" algn="l" defTabSz="914400" rtl="0" eaLnBrk="1" latinLnBrk="0" hangingPunct="1">
+              <a:lnSpc>
+                <a:spcPct val="90000"/>
+              </a:lnSpc>
+              <a:spcBef>
+                <a:spcPts val="500"/>
+              </a:spcBef>
+              <a:buFont typeface="Arial" panose="020B0604020202020204" pitchFamily="34" charset="0"/>
+              <a:buChar char="•"/>
+              <a:defRPr sz="2000" kern="1200">
+                <a:solidFill>
+                  <a:schemeClr val="tx1"/>
+                </a:solidFill>
+                <a:latin typeface="+mn-lt"/>
+                <a:ea typeface="+mn-ea"/>
+                <a:cs typeface="+mn-cs"/>
+              </a:defRPr>
+            </a:lvl3pPr>
+            <a:lvl4pPr marL="1600200" indent="-228600" algn="l" defTabSz="914400" rtl="0" eaLnBrk="1" latinLnBrk="0" hangingPunct="1">
+              <a:lnSpc>
+                <a:spcPct val="90000"/>
+              </a:lnSpc>
+              <a:spcBef>
+                <a:spcPts val="500"/>
+              </a:spcBef>
+              <a:buFont typeface="Arial" panose="020B0604020202020204" pitchFamily="34" charset="0"/>
+              <a:buChar char="•"/>
+              <a:defRPr sz="1800" kern="1200">
+                <a:solidFill>
+                  <a:schemeClr val="tx1"/>
+                </a:solidFill>
+                <a:latin typeface="+mn-lt"/>
+                <a:ea typeface="+mn-ea"/>
+                <a:cs typeface="+mn-cs"/>
+              </a:defRPr>
+            </a:lvl4pPr>
+            <a:lvl5pPr marL="2057400" indent="-228600" algn="l" defTabSz="914400" rtl="0" eaLnBrk="1" latinLnBrk="0" hangingPunct="1">
+              <a:lnSpc>
+                <a:spcPct val="90000"/>
+              </a:lnSpc>
+              <a:spcBef>
+                <a:spcPts val="500"/>
+              </a:spcBef>
+              <a:buFont typeface="Arial" panose="020B0604020202020204" pitchFamily="34" charset="0"/>
+              <a:buChar char="•"/>
+              <a:defRPr sz="1800" kern="1200">
+                <a:solidFill>
+                  <a:schemeClr val="tx1"/>
+                </a:solidFill>
+                <a:latin typeface="+mn-lt"/>
+                <a:ea typeface="+mn-ea"/>
+                <a:cs typeface="+mn-cs"/>
+              </a:defRPr>
+            </a:lvl5pPr>
+            <a:lvl6pPr marL="2514600" indent="-228600" algn="l" defTabSz="914400" rtl="0" eaLnBrk="1" latinLnBrk="0" hangingPunct="1">
+              <a:lnSpc>
+                <a:spcPct val="90000"/>
+              </a:lnSpc>
+              <a:spcBef>
+                <a:spcPts val="500"/>
+              </a:spcBef>
+              <a:buFont typeface="Arial" panose="020B0604020202020204" pitchFamily="34" charset="0"/>
+              <a:buChar char="•"/>
+              <a:defRPr sz="1800" kern="1200">
+                <a:solidFill>
+                  <a:schemeClr val="tx1"/>
+                </a:solidFill>
+                <a:latin typeface="+mn-lt"/>
+                <a:ea typeface="+mn-ea"/>
+                <a:cs typeface="+mn-cs"/>
+              </a:defRPr>
+            </a:lvl6pPr>
+            <a:lvl7pPr marL="2971800" indent="-228600" algn="l" defTabSz="914400" rtl="0" eaLnBrk="1" latinLnBrk="0" hangingPunct="1">
+              <a:lnSpc>
+                <a:spcPct val="90000"/>
+              </a:lnSpc>
+              <a:spcBef>
+                <a:spcPts val="500"/>
+              </a:spcBef>
+              <a:buFont typeface="Arial" panose="020B0604020202020204" pitchFamily="34" charset="0"/>
+              <a:buChar char="•"/>
+              <a:defRPr sz="1800" kern="1200">
+                <a:solidFill>
+                  <a:schemeClr val="tx1"/>
+                </a:solidFill>
+                <a:latin typeface="+mn-lt"/>
+                <a:ea typeface="+mn-ea"/>
+                <a:cs typeface="+mn-cs"/>
+              </a:defRPr>
+            </a:lvl7pPr>
+            <a:lvl8pPr marL="3429000" indent="-228600" algn="l" defTabSz="914400" rtl="0" eaLnBrk="1" latinLnBrk="0" hangingPunct="1">
+              <a:lnSpc>
+                <a:spcPct val="90000"/>
+              </a:lnSpc>
+              <a:spcBef>
+                <a:spcPts val="500"/>
+              </a:spcBef>
+              <a:buFont typeface="Arial" panose="020B0604020202020204" pitchFamily="34" charset="0"/>
+              <a:buChar char="•"/>
+              <a:defRPr sz="1800" kern="1200">
+                <a:solidFill>
+                  <a:schemeClr val="tx1"/>
+                </a:solidFill>
+                <a:latin typeface="+mn-lt"/>
+                <a:ea typeface="+mn-ea"/>
+                <a:cs typeface="+mn-cs"/>
+              </a:defRPr>
+            </a:lvl8pPr>
+            <a:lvl9pPr marL="3886200" indent="-228600" algn="l" defTabSz="914400" rtl="0" eaLnBrk="1" latinLnBrk="0" hangingPunct="1">
+              <a:lnSpc>
+                <a:spcPct val="90000"/>
+              </a:lnSpc>
+              <a:spcBef>
+                <a:spcPts val="500"/>
+              </a:spcBef>
+              <a:buFont typeface="Arial" panose="020B0604020202020204" pitchFamily="34" charset="0"/>
+              <a:buChar char="•"/>
+              <a:defRPr sz="1800" kern="1200">
+                <a:solidFill>
+                  <a:schemeClr val="tx1"/>
+                </a:solidFill>
+                <a:latin typeface="+mn-lt"/>
+                <a:ea typeface="+mn-ea"/>
+                <a:cs typeface="+mn-cs"/>
+              </a:defRPr>
+            </a:lvl9pPr>
+          </a:lstStyle>
+          <a:p>
+            <a:r>
+              <a:rPr lang="en-US" sz="1800" dirty="0"/>
+              <a:t>Waterfall plot of Sensor 1 of Snippet 1</a:t>
+            </a:r>
+          </a:p>
+          <a:p>
+            <a:r>
+              <a:rPr lang="en-US" sz="1800" dirty="0"/>
+              <a:t>Unprocessed data</a:t>
+            </a:r>
+          </a:p>
+        </p:txBody>
+      </p:sp>
     </p:spTree>
     <p:extLst>
       <p:ext uri="{BB962C8B-B14F-4D97-AF65-F5344CB8AC3E}">
@@ -5108,41 +5413,6 @@
           </a:p>
         </p:txBody>
       </p:sp>
-      <p:pic>
-        <p:nvPicPr>
-          <p:cNvPr id="10" name="Content Placeholder 9" descr="Chart&#10;&#10;Description automatically generated">
-            <a:extLst>
-              <a:ext uri="{FF2B5EF4-FFF2-40B4-BE49-F238E27FC236}">
-                <a16:creationId xmlns:a16="http://schemas.microsoft.com/office/drawing/2014/main" id="{A4DBEB7D-90CA-4F93-B97B-B524D3AD46CA}"/>
-              </a:ext>
-            </a:extLst>
-          </p:cNvPr>
-          <p:cNvPicPr>
-            <a:picLocks noGrp="1" noChangeAspect="1"/>
-          </p:cNvPicPr>
-          <p:nvPr>
-            <p:ph sz="half" idx="2"/>
-          </p:nvPr>
-        </p:nvPicPr>
-        <p:blipFill>
-          <a:blip r:embed="rId3">
-            <a:extLst>
-              <a:ext uri="{28A0092B-C50C-407E-A947-70E740481C1C}">
-                <a14:useLocalDpi xmlns:a14="http://schemas.microsoft.com/office/drawing/2010/main" val="0"/>
-              </a:ext>
-            </a:extLst>
-          </a:blip>
-          <a:stretch>
-            <a:fillRect/>
-          </a:stretch>
-        </p:blipFill>
-        <p:spPr>
-          <a:xfrm>
-            <a:off x="7089059" y="365125"/>
-            <a:ext cx="4542503" cy="3406877"/>
-          </a:xfrm>
-        </p:spPr>
-      </p:pic>
       <p:cxnSp>
         <p:nvCxnSpPr>
           <p:cNvPr id="14" name="Straight Arrow Connector 13">
@@ -5234,7 +5504,7 @@
           <p:nvPr/>
         </p:nvPicPr>
         <p:blipFill>
-          <a:blip r:embed="rId4">
+          <a:blip r:embed="rId3">
             <a:extLst>
               <a:ext uri="{28A0092B-C50C-407E-A947-70E740481C1C}">
                 <a14:useLocalDpi xmlns:a14="http://schemas.microsoft.com/office/drawing/2010/main" val="0"/>
@@ -5249,6 +5519,42 @@
           <a:xfrm>
             <a:off x="7089059" y="3772002"/>
             <a:ext cx="3974592" cy="2980944"/>
+          </a:xfrm>
+          <a:prstGeom prst="rect">
+            <a:avLst/>
+          </a:prstGeom>
+        </p:spPr>
+      </p:pic>
+      <p:pic>
+        <p:nvPicPr>
+          <p:cNvPr id="3" name="Picture 2" descr="Chart&#10;&#10;Description automatically generated">
+            <a:extLst>
+              <a:ext uri="{FF2B5EF4-FFF2-40B4-BE49-F238E27FC236}">
+                <a16:creationId xmlns:a16="http://schemas.microsoft.com/office/drawing/2014/main" id="{D963CEEE-59DA-5B4C-AE57-8AF638788CA7}"/>
+              </a:ext>
+            </a:extLst>
+          </p:cNvPr>
+          <p:cNvPicPr>
+            <a:picLocks noChangeAspect="1"/>
+          </p:cNvPicPr>
+          <p:nvPr/>
+        </p:nvPicPr>
+        <p:blipFill>
+          <a:blip r:embed="rId4">
+            <a:extLst>
+              <a:ext uri="{28A0092B-C50C-407E-A947-70E740481C1C}">
+                <a14:useLocalDpi xmlns:a14="http://schemas.microsoft.com/office/drawing/2010/main" val="0"/>
+              </a:ext>
+            </a:extLst>
+          </a:blip>
+          <a:stretch>
+            <a:fillRect/>
+          </a:stretch>
+        </p:blipFill>
+        <p:spPr>
+          <a:xfrm>
+            <a:off x="7063837" y="513715"/>
+            <a:ext cx="4556295" cy="3410712"/>
           </a:xfrm>
           <a:prstGeom prst="rect">
             <a:avLst/>
@@ -5320,19 +5626,17 @@
       </p:sp>
       <p:pic>
         <p:nvPicPr>
-          <p:cNvPr id="10" name="Content Placeholder 9" descr="Chart&#10;&#10;Description automatically generated">
-            <a:extLst>
-              <a:ext uri="{FF2B5EF4-FFF2-40B4-BE49-F238E27FC236}">
-                <a16:creationId xmlns:a16="http://schemas.microsoft.com/office/drawing/2014/main" id="{A4DBEB7D-90CA-4F93-B97B-B524D3AD46CA}"/>
+          <p:cNvPr id="3" name="Picture 2" descr="Chart&#10;&#10;Description automatically generated with low confidence">
+            <a:extLst>
+              <a:ext uri="{FF2B5EF4-FFF2-40B4-BE49-F238E27FC236}">
+                <a16:creationId xmlns:a16="http://schemas.microsoft.com/office/drawing/2014/main" id="{5D16902A-475E-4475-80B0-6DF01292F269}"/>
               </a:ext>
             </a:extLst>
           </p:cNvPr>
           <p:cNvPicPr>
-            <a:picLocks noGrp="1" noChangeAspect="1"/>
+            <a:picLocks noChangeAspect="1"/>
           </p:cNvPicPr>
-          <p:nvPr>
-            <p:ph sz="half" idx="2"/>
-          </p:nvPr>
+          <p:nvPr/>
         </p:nvPicPr>
         <p:blipFill>
           <a:blip r:embed="rId2">
@@ -5348,17 +5652,20 @@
         </p:blipFill>
         <p:spPr>
           <a:xfrm>
-            <a:off x="7089059" y="365125"/>
-            <a:ext cx="4542503" cy="3406877"/>
-          </a:xfrm>
+            <a:off x="7089059" y="3772002"/>
+            <a:ext cx="3974592" cy="2980944"/>
+          </a:xfrm>
+          <a:prstGeom prst="rect">
+            <a:avLst/>
+          </a:prstGeom>
         </p:spPr>
       </p:pic>
       <p:pic>
         <p:nvPicPr>
-          <p:cNvPr id="13" name="Picture 12" descr="Chart&#10;&#10;Description automatically generated">
-            <a:extLst>
-              <a:ext uri="{FF2B5EF4-FFF2-40B4-BE49-F238E27FC236}">
-                <a16:creationId xmlns:a16="http://schemas.microsoft.com/office/drawing/2014/main" id="{85B0F5D5-74D6-400A-A2DB-195479ACF484}"/>
+          <p:cNvPr id="6" name="Picture 5" descr="Chart, diagram&#10;&#10;Description automatically generated">
+            <a:extLst>
+              <a:ext uri="{FF2B5EF4-FFF2-40B4-BE49-F238E27FC236}">
+                <a16:creationId xmlns:a16="http://schemas.microsoft.com/office/drawing/2014/main" id="{27FB321F-6874-4302-8E40-AA9DA1285814}"/>
               </a:ext>
             </a:extLst>
           </p:cNvPr>
@@ -5381,20 +5688,96 @@
         </p:blipFill>
         <p:spPr>
           <a:xfrm>
-            <a:off x="7089059" y="3736462"/>
-            <a:ext cx="3974592" cy="2980944"/>
+            <a:off x="421559" y="1492250"/>
+            <a:ext cx="6667500" cy="5000625"/>
           </a:xfrm>
           <a:prstGeom prst="rect">
             <a:avLst/>
           </a:prstGeom>
         </p:spPr>
       </p:pic>
+      <p:cxnSp>
+        <p:nvCxnSpPr>
+          <p:cNvPr id="12" name="Straight Arrow Connector 11">
+            <a:extLst>
+              <a:ext uri="{FF2B5EF4-FFF2-40B4-BE49-F238E27FC236}">
+                <a16:creationId xmlns:a16="http://schemas.microsoft.com/office/drawing/2014/main" id="{24D506C9-36EA-4E15-BBBB-14C0D270068C}"/>
+              </a:ext>
+            </a:extLst>
+          </p:cNvPr>
+          <p:cNvCxnSpPr>
+            <a:cxnSpLocks/>
+          </p:cNvCxnSpPr>
+          <p:nvPr/>
+        </p:nvCxnSpPr>
+        <p:spPr>
+          <a:xfrm flipH="1">
+            <a:off x="4670323" y="3897297"/>
+            <a:ext cx="530942" cy="438729"/>
+          </a:xfrm>
+          <a:prstGeom prst="straightConnector1">
+            <a:avLst/>
+          </a:prstGeom>
+          <a:ln w="38100">
+            <a:tailEnd type="triangle"/>
+          </a:ln>
+        </p:spPr>
+        <p:style>
+          <a:lnRef idx="1">
+            <a:schemeClr val="accent1"/>
+          </a:lnRef>
+          <a:fillRef idx="0">
+            <a:schemeClr val="accent1"/>
+          </a:fillRef>
+          <a:effectRef idx="0">
+            <a:schemeClr val="accent1"/>
+          </a:effectRef>
+          <a:fontRef idx="minor">
+            <a:schemeClr val="tx1"/>
+          </a:fontRef>
+        </p:style>
+      </p:cxnSp>
+      <p:sp>
+        <p:nvSpPr>
+          <p:cNvPr id="13" name="TextBox 12">
+            <a:extLst>
+              <a:ext uri="{FF2B5EF4-FFF2-40B4-BE49-F238E27FC236}">
+                <a16:creationId xmlns:a16="http://schemas.microsoft.com/office/drawing/2014/main" id="{252E3708-F9AC-4165-B2F7-B6B3E113C2FA}"/>
+              </a:ext>
+            </a:extLst>
+          </p:cNvPr>
+          <p:cNvSpPr txBox="1"/>
+          <p:nvPr/>
+        </p:nvSpPr>
+        <p:spPr>
+          <a:xfrm>
+            <a:off x="4987818" y="3527965"/>
+            <a:ext cx="727969" cy="369332"/>
+          </a:xfrm>
+          <a:prstGeom prst="rect">
+            <a:avLst/>
+          </a:prstGeom>
+          <a:noFill/>
+        </p:spPr>
+        <p:txBody>
+          <a:bodyPr wrap="square" rtlCol="0">
+            <a:spAutoFit/>
+          </a:bodyPr>
+          <a:lstStyle/>
+          <a:p>
+            <a:r>
+              <a:rPr lang="en-US" dirty="0"/>
+              <a:t>SOI</a:t>
+            </a:r>
+          </a:p>
+        </p:txBody>
+      </p:sp>
       <p:pic>
         <p:nvPicPr>
-          <p:cNvPr id="15" name="Picture 14" descr="Chart, line chart&#10;&#10;Description automatically generated">
-            <a:extLst>
-              <a:ext uri="{FF2B5EF4-FFF2-40B4-BE49-F238E27FC236}">
-                <a16:creationId xmlns:a16="http://schemas.microsoft.com/office/drawing/2014/main" id="{4A6B8822-B7E4-4611-9DBA-4FDB2B82B460}"/>
+          <p:cNvPr id="8" name="Picture 7" descr="Chart&#10;&#10;Description automatically generated">
+            <a:extLst>
+              <a:ext uri="{FF2B5EF4-FFF2-40B4-BE49-F238E27FC236}">
+                <a16:creationId xmlns:a16="http://schemas.microsoft.com/office/drawing/2014/main" id="{28486D2A-80BB-5040-B0C4-2A2331D109BB}"/>
               </a:ext>
             </a:extLst>
           </p:cNvPr>
@@ -5417,8 +5800,8 @@
         </p:blipFill>
         <p:spPr>
           <a:xfrm>
-            <a:off x="336199" y="1340504"/>
-            <a:ext cx="6667500" cy="5000625"/>
+            <a:off x="7063837" y="513715"/>
+            <a:ext cx="4556295" cy="3410712"/>
           </a:xfrm>
           <a:prstGeom prst="rect">
             <a:avLst/>
@@ -5428,7 +5811,7 @@
     </p:spTree>
     <p:extLst>
       <p:ext uri="{BB962C8B-B14F-4D97-AF65-F5344CB8AC3E}">
-        <p14:creationId xmlns:p14="http://schemas.microsoft.com/office/powerpoint/2010/main" val="482760846"/>
+        <p14:creationId xmlns:p14="http://schemas.microsoft.com/office/powerpoint/2010/main" val="629351490"/>
       </p:ext>
     </p:extLst>
   </p:cSld>
@@ -5490,19 +5873,17 @@
       </p:sp>
       <p:pic>
         <p:nvPicPr>
-          <p:cNvPr id="10" name="Content Placeholder 9" descr="Chart&#10;&#10;Description automatically generated">
-            <a:extLst>
-              <a:ext uri="{FF2B5EF4-FFF2-40B4-BE49-F238E27FC236}">
-                <a16:creationId xmlns:a16="http://schemas.microsoft.com/office/drawing/2014/main" id="{A4DBEB7D-90CA-4F93-B97B-B524D3AD46CA}"/>
+          <p:cNvPr id="3" name="Picture 2" descr="Chart&#10;&#10;Description automatically generated">
+            <a:extLst>
+              <a:ext uri="{FF2B5EF4-FFF2-40B4-BE49-F238E27FC236}">
+                <a16:creationId xmlns:a16="http://schemas.microsoft.com/office/drawing/2014/main" id="{7FF99A41-90DF-48D9-AA42-78FC8172BBCE}"/>
               </a:ext>
             </a:extLst>
           </p:cNvPr>
           <p:cNvPicPr>
-            <a:picLocks noGrp="1" noChangeAspect="1"/>
+            <a:picLocks noChangeAspect="1"/>
           </p:cNvPicPr>
-          <p:nvPr>
-            <p:ph sz="half" idx="2"/>
-          </p:nvPr>
+          <p:nvPr/>
         </p:nvPicPr>
         <p:blipFill>
           <a:blip r:embed="rId2">
@@ -5518,17 +5899,20 @@
         </p:blipFill>
         <p:spPr>
           <a:xfrm>
-            <a:off x="7089059" y="365125"/>
-            <a:ext cx="4542503" cy="3406877"/>
-          </a:xfrm>
+            <a:off x="7089059" y="3772002"/>
+            <a:ext cx="3974592" cy="2980944"/>
+          </a:xfrm>
+          <a:prstGeom prst="rect">
+            <a:avLst/>
+          </a:prstGeom>
         </p:spPr>
       </p:pic>
       <p:pic>
         <p:nvPicPr>
-          <p:cNvPr id="13" name="Picture 12" descr="Chart, histogram&#10;&#10;Description automatically generated">
-            <a:extLst>
-              <a:ext uri="{FF2B5EF4-FFF2-40B4-BE49-F238E27FC236}">
-                <a16:creationId xmlns:a16="http://schemas.microsoft.com/office/drawing/2014/main" id="{AAB789F9-EF5E-4C76-8981-4BABEF2DD8E6}"/>
+          <p:cNvPr id="6" name="Picture 5" descr="Chart&#10;&#10;Description automatically generated">
+            <a:extLst>
+              <a:ext uri="{FF2B5EF4-FFF2-40B4-BE49-F238E27FC236}">
+                <a16:creationId xmlns:a16="http://schemas.microsoft.com/office/drawing/2014/main" id="{3A2683FF-A7AF-4C98-8B64-C79195AFB660}"/>
               </a:ext>
             </a:extLst>
           </p:cNvPr>
@@ -5551,8 +5935,8 @@
         </p:blipFill>
         <p:spPr>
           <a:xfrm>
-            <a:off x="7089059" y="3772002"/>
-            <a:ext cx="3974592" cy="2980944"/>
+            <a:off x="304445" y="1492250"/>
+            <a:ext cx="6667500" cy="5000625"/>
           </a:xfrm>
           <a:prstGeom prst="rect">
             <a:avLst/>
@@ -5561,10 +5945,10 @@
       </p:pic>
       <p:pic>
         <p:nvPicPr>
-          <p:cNvPr id="15" name="Picture 14" descr="Chart&#10;&#10;Description automatically generated">
-            <a:extLst>
-              <a:ext uri="{FF2B5EF4-FFF2-40B4-BE49-F238E27FC236}">
-                <a16:creationId xmlns:a16="http://schemas.microsoft.com/office/drawing/2014/main" id="{2C8F0891-4BB7-4AD6-AC3E-261EDE9CA03F}"/>
+          <p:cNvPr id="7" name="Picture 6" descr="Chart&#10;&#10;Description automatically generated">
+            <a:extLst>
+              <a:ext uri="{FF2B5EF4-FFF2-40B4-BE49-F238E27FC236}">
+                <a16:creationId xmlns:a16="http://schemas.microsoft.com/office/drawing/2014/main" id="{6464FE0F-E98F-7048-B337-4CADF445F4EB}"/>
               </a:ext>
             </a:extLst>
           </p:cNvPr>
@@ -5587,142 +5971,18 @@
         </p:blipFill>
         <p:spPr>
           <a:xfrm>
-            <a:off x="316534" y="1492249"/>
-            <a:ext cx="6667500" cy="5000625"/>
+            <a:off x="7063837" y="513715"/>
+            <a:ext cx="4556295" cy="3410712"/>
           </a:xfrm>
           <a:prstGeom prst="rect">
             <a:avLst/>
           </a:prstGeom>
         </p:spPr>
       </p:pic>
-      <p:cxnSp>
-        <p:nvCxnSpPr>
-          <p:cNvPr id="16" name="Straight Arrow Connector 15">
-            <a:extLst>
-              <a:ext uri="{FF2B5EF4-FFF2-40B4-BE49-F238E27FC236}">
-                <a16:creationId xmlns:a16="http://schemas.microsoft.com/office/drawing/2014/main" id="{1A3649BF-08C5-4F8F-9B8C-924E7942B13E}"/>
-              </a:ext>
-            </a:extLst>
-          </p:cNvPr>
-          <p:cNvCxnSpPr>
-            <a:cxnSpLocks/>
-          </p:cNvCxnSpPr>
-          <p:nvPr/>
-        </p:nvCxnSpPr>
-        <p:spPr>
-          <a:xfrm>
-            <a:off x="561467" y="2699299"/>
-            <a:ext cx="451256" cy="505540"/>
-          </a:xfrm>
-          <a:prstGeom prst="straightConnector1">
-            <a:avLst/>
-          </a:prstGeom>
-          <a:ln w="38100">
-            <a:tailEnd type="triangle"/>
-          </a:ln>
-        </p:spPr>
-        <p:style>
-          <a:lnRef idx="1">
-            <a:schemeClr val="accent1"/>
-          </a:lnRef>
-          <a:fillRef idx="0">
-            <a:schemeClr val="accent1"/>
-          </a:fillRef>
-          <a:effectRef idx="0">
-            <a:schemeClr val="accent1"/>
-          </a:effectRef>
-          <a:fontRef idx="minor">
-            <a:schemeClr val="tx1"/>
-          </a:fontRef>
-        </p:style>
-      </p:cxnSp>
-      <p:sp>
-        <p:nvSpPr>
-          <p:cNvPr id="17" name="TextBox 16">
-            <a:extLst>
-              <a:ext uri="{FF2B5EF4-FFF2-40B4-BE49-F238E27FC236}">
-                <a16:creationId xmlns:a16="http://schemas.microsoft.com/office/drawing/2014/main" id="{5806F250-9065-4ABE-B4F7-7A10207A685A}"/>
-              </a:ext>
-            </a:extLst>
-          </p:cNvPr>
-          <p:cNvSpPr txBox="1"/>
-          <p:nvPr/>
-        </p:nvSpPr>
-        <p:spPr>
-          <a:xfrm>
-            <a:off x="22795" y="1535573"/>
-            <a:ext cx="1081548" cy="1200329"/>
-          </a:xfrm>
-          <a:prstGeom prst="rect">
-            <a:avLst/>
-          </a:prstGeom>
-          <a:noFill/>
-        </p:spPr>
-        <p:txBody>
-          <a:bodyPr wrap="square" rtlCol="0">
-            <a:spAutoFit/>
-          </a:bodyPr>
-          <a:lstStyle/>
-          <a:p>
-            <a:r>
-              <a:rPr lang="en-US" dirty="0"/>
-              <a:t>Narrow band nuisance signals</a:t>
-            </a:r>
-          </a:p>
-        </p:txBody>
-      </p:sp>
-      <p:sp>
-        <p:nvSpPr>
-          <p:cNvPr id="20" name="Left Brace 19">
-            <a:extLst>
-              <a:ext uri="{FF2B5EF4-FFF2-40B4-BE49-F238E27FC236}">
-                <a16:creationId xmlns:a16="http://schemas.microsoft.com/office/drawing/2014/main" id="{05C70EA4-5AA4-448E-9450-4F9BEE973845}"/>
-              </a:ext>
-            </a:extLst>
-          </p:cNvPr>
-          <p:cNvSpPr/>
-          <p:nvPr/>
-        </p:nvSpPr>
-        <p:spPr>
-          <a:xfrm>
-            <a:off x="1036253" y="2497394"/>
-            <a:ext cx="458250" cy="1956619"/>
-          </a:xfrm>
-          <a:prstGeom prst="leftBrace">
-            <a:avLst>
-              <a:gd name="adj1" fmla="val 8333"/>
-              <a:gd name="adj2" fmla="val 40018"/>
-            </a:avLst>
-          </a:prstGeom>
-          <a:ln w="38100"/>
-        </p:spPr>
-        <p:style>
-          <a:lnRef idx="1">
-            <a:schemeClr val="accent1"/>
-          </a:lnRef>
-          <a:fillRef idx="0">
-            <a:schemeClr val="accent1"/>
-          </a:fillRef>
-          <a:effectRef idx="0">
-            <a:schemeClr val="accent1"/>
-          </a:effectRef>
-          <a:fontRef idx="minor">
-            <a:schemeClr val="tx1"/>
-          </a:fontRef>
-        </p:style>
-        <p:txBody>
-          <a:bodyPr rtlCol="0" anchor="ctr"/>
-          <a:lstStyle/>
-          <a:p>
-            <a:pPr algn="ctr"/>
-            <a:endParaRPr lang="en-US"/>
-          </a:p>
-        </p:txBody>
-      </p:sp>
     </p:spTree>
     <p:extLst>
       <p:ext uri="{BB962C8B-B14F-4D97-AF65-F5344CB8AC3E}">
-        <p14:creationId xmlns:p14="http://schemas.microsoft.com/office/powerpoint/2010/main" val="2576847802"/>
+        <p14:creationId xmlns:p14="http://schemas.microsoft.com/office/powerpoint/2010/main" val="2886163851"/>
       </p:ext>
     </p:extLst>
   </p:cSld>
@@ -5784,19 +6044,17 @@
       </p:sp>
       <p:pic>
         <p:nvPicPr>
-          <p:cNvPr id="10" name="Content Placeholder 9" descr="Chart&#10;&#10;Description automatically generated">
-            <a:extLst>
-              <a:ext uri="{FF2B5EF4-FFF2-40B4-BE49-F238E27FC236}">
-                <a16:creationId xmlns:a16="http://schemas.microsoft.com/office/drawing/2014/main" id="{A4DBEB7D-90CA-4F93-B97B-B524D3AD46CA}"/>
+          <p:cNvPr id="3" name="Picture 2" descr="Chart, histogram&#10;&#10;Description automatically generated">
+            <a:extLst>
+              <a:ext uri="{FF2B5EF4-FFF2-40B4-BE49-F238E27FC236}">
+                <a16:creationId xmlns:a16="http://schemas.microsoft.com/office/drawing/2014/main" id="{D18F98AF-6D9D-439C-B126-20E24BB7B489}"/>
               </a:ext>
             </a:extLst>
           </p:cNvPr>
           <p:cNvPicPr>
-            <a:picLocks noGrp="1" noChangeAspect="1"/>
+            <a:picLocks noChangeAspect="1"/>
           </p:cNvPicPr>
-          <p:nvPr>
-            <p:ph sz="half" idx="2"/>
-          </p:nvPr>
+          <p:nvPr/>
         </p:nvPicPr>
         <p:blipFill>
           <a:blip r:embed="rId2">
@@ -5812,17 +6070,20 @@
         </p:blipFill>
         <p:spPr>
           <a:xfrm>
-            <a:off x="7089059" y="365125"/>
-            <a:ext cx="4542503" cy="3406877"/>
-          </a:xfrm>
+            <a:off x="7089059" y="3772002"/>
+            <a:ext cx="3974592" cy="2980944"/>
+          </a:xfrm>
+          <a:prstGeom prst="rect">
+            <a:avLst/>
+          </a:prstGeom>
         </p:spPr>
       </p:pic>
       <p:pic>
         <p:nvPicPr>
-          <p:cNvPr id="11" name="Picture 10" descr="Chart&#10;&#10;Description automatically generated">
-            <a:extLst>
-              <a:ext uri="{FF2B5EF4-FFF2-40B4-BE49-F238E27FC236}">
-                <a16:creationId xmlns:a16="http://schemas.microsoft.com/office/drawing/2014/main" id="{D8DF29AE-0907-437D-B85E-B6B915B1CCC2}"/>
+          <p:cNvPr id="6" name="Picture 5" descr="Chart&#10;&#10;Description automatically generated">
+            <a:extLst>
+              <a:ext uri="{FF2B5EF4-FFF2-40B4-BE49-F238E27FC236}">
+                <a16:creationId xmlns:a16="http://schemas.microsoft.com/office/drawing/2014/main" id="{E92D50C1-949A-4E5F-AFFB-A7B1F0A1EC9F}"/>
               </a:ext>
             </a:extLst>
           </p:cNvPr>
@@ -5845,8 +6106,8 @@
         </p:blipFill>
         <p:spPr>
           <a:xfrm>
-            <a:off x="7089059" y="3772002"/>
-            <a:ext cx="3974592" cy="2980944"/>
+            <a:off x="421559" y="1378514"/>
+            <a:ext cx="6667500" cy="5000625"/>
           </a:xfrm>
           <a:prstGeom prst="rect">
             <a:avLst/>
@@ -5855,10 +6116,10 @@
       </p:pic>
       <p:pic>
         <p:nvPicPr>
-          <p:cNvPr id="14" name="Picture 13" descr="Chart&#10;&#10;Description automatically generated with low confidence">
-            <a:extLst>
-              <a:ext uri="{FF2B5EF4-FFF2-40B4-BE49-F238E27FC236}">
-                <a16:creationId xmlns:a16="http://schemas.microsoft.com/office/drawing/2014/main" id="{6D9D60F4-7BA5-43EF-B053-196390BB2C8C}"/>
+          <p:cNvPr id="7" name="Picture 6" descr="Chart&#10;&#10;Description automatically generated">
+            <a:extLst>
+              <a:ext uri="{FF2B5EF4-FFF2-40B4-BE49-F238E27FC236}">
+                <a16:creationId xmlns:a16="http://schemas.microsoft.com/office/drawing/2014/main" id="{B4A7ECE7-CCF6-D845-B0D1-F3F23EB75E38}"/>
               </a:ext>
             </a:extLst>
           </p:cNvPr>
@@ -5881,8 +6142,8 @@
         </p:blipFill>
         <p:spPr>
           <a:xfrm>
-            <a:off x="265471" y="1610236"/>
-            <a:ext cx="6667500" cy="5000625"/>
+            <a:off x="7063837" y="513715"/>
+            <a:ext cx="4556295" cy="3410712"/>
           </a:xfrm>
           <a:prstGeom prst="rect">
             <a:avLst/>
@@ -5892,7 +6153,7 @@
     </p:spTree>
     <p:extLst>
       <p:ext uri="{BB962C8B-B14F-4D97-AF65-F5344CB8AC3E}">
-        <p14:creationId xmlns:p14="http://schemas.microsoft.com/office/powerpoint/2010/main" val="1286968106"/>
+        <p14:creationId xmlns:p14="http://schemas.microsoft.com/office/powerpoint/2010/main" val="1567104307"/>
       </p:ext>
     </p:extLst>
   </p:cSld>
@@ -5954,19 +6215,17 @@
       </p:sp>
       <p:pic>
         <p:nvPicPr>
-          <p:cNvPr id="10" name="Content Placeholder 9" descr="Chart&#10;&#10;Description automatically generated">
-            <a:extLst>
-              <a:ext uri="{FF2B5EF4-FFF2-40B4-BE49-F238E27FC236}">
-                <a16:creationId xmlns:a16="http://schemas.microsoft.com/office/drawing/2014/main" id="{A4DBEB7D-90CA-4F93-B97B-B524D3AD46CA}"/>
+          <p:cNvPr id="3" name="Picture 2" descr="Chart, histogram&#10;&#10;Description automatically generated">
+            <a:extLst>
+              <a:ext uri="{FF2B5EF4-FFF2-40B4-BE49-F238E27FC236}">
+                <a16:creationId xmlns:a16="http://schemas.microsoft.com/office/drawing/2014/main" id="{1BAB6A67-3AA1-4E0D-BFE4-0252C54ADFAC}"/>
               </a:ext>
             </a:extLst>
           </p:cNvPr>
           <p:cNvPicPr>
-            <a:picLocks noGrp="1" noChangeAspect="1"/>
+            <a:picLocks noChangeAspect="1"/>
           </p:cNvPicPr>
-          <p:nvPr>
-            <p:ph sz="half" idx="2"/>
-          </p:nvPr>
+          <p:nvPr/>
         </p:nvPicPr>
         <p:blipFill>
           <a:blip r:embed="rId2">
@@ -5982,17 +6241,20 @@
         </p:blipFill>
         <p:spPr>
           <a:xfrm>
-            <a:off x="7089059" y="365125"/>
-            <a:ext cx="4542503" cy="3406877"/>
-          </a:xfrm>
+            <a:off x="7089059" y="3772002"/>
+            <a:ext cx="3974592" cy="2980944"/>
+          </a:xfrm>
+          <a:prstGeom prst="rect">
+            <a:avLst/>
+          </a:prstGeom>
         </p:spPr>
       </p:pic>
       <p:pic>
         <p:nvPicPr>
-          <p:cNvPr id="3" name="Picture 2" descr="Chart, histogram&#10;&#10;Description automatically generated">
-            <a:extLst>
-              <a:ext uri="{FF2B5EF4-FFF2-40B4-BE49-F238E27FC236}">
-                <a16:creationId xmlns:a16="http://schemas.microsoft.com/office/drawing/2014/main" id="{D7815FB3-D780-4D35-A23C-4B55FC447615}"/>
+          <p:cNvPr id="6" name="Picture 5" descr="A picture containing chart&#10;&#10;Description automatically generated">
+            <a:extLst>
+              <a:ext uri="{FF2B5EF4-FFF2-40B4-BE49-F238E27FC236}">
+                <a16:creationId xmlns:a16="http://schemas.microsoft.com/office/drawing/2014/main" id="{B2F8CCE8-6807-4C99-B5EF-FFEB132407E6}"/>
               </a:ext>
             </a:extLst>
           </p:cNvPr>
@@ -6015,8 +6277,8 @@
         </p:blipFill>
         <p:spPr>
           <a:xfrm>
-            <a:off x="7089059" y="3772002"/>
-            <a:ext cx="3974592" cy="2980944"/>
+            <a:off x="155472" y="1492249"/>
+            <a:ext cx="6667500" cy="5000625"/>
           </a:xfrm>
           <a:prstGeom prst="rect">
             <a:avLst/>
@@ -6025,10 +6287,10 @@
       </p:pic>
       <p:pic>
         <p:nvPicPr>
-          <p:cNvPr id="6" name="Picture 5" descr="Chart&#10;&#10;Description automatically generated with medium confidence">
-            <a:extLst>
-              <a:ext uri="{FF2B5EF4-FFF2-40B4-BE49-F238E27FC236}">
-                <a16:creationId xmlns:a16="http://schemas.microsoft.com/office/drawing/2014/main" id="{1984F2B8-A852-47F9-84BB-5F99DD82BF14}"/>
+          <p:cNvPr id="7" name="Picture 6" descr="Chart&#10;&#10;Description automatically generated">
+            <a:extLst>
+              <a:ext uri="{FF2B5EF4-FFF2-40B4-BE49-F238E27FC236}">
+                <a16:creationId xmlns:a16="http://schemas.microsoft.com/office/drawing/2014/main" id="{A453EBDC-A36D-F94F-A91C-37F278D18C4A}"/>
               </a:ext>
             </a:extLst>
           </p:cNvPr>
@@ -6051,8 +6313,8 @@
         </p:blipFill>
         <p:spPr>
           <a:xfrm>
-            <a:off x="86033" y="1492249"/>
-            <a:ext cx="6667500" cy="5000625"/>
+            <a:off x="7063837" y="513715"/>
+            <a:ext cx="4556295" cy="3410712"/>
           </a:xfrm>
           <a:prstGeom prst="rect">
             <a:avLst/>
@@ -6062,7 +6324,7 @@
     </p:spTree>
     <p:extLst>
       <p:ext uri="{BB962C8B-B14F-4D97-AF65-F5344CB8AC3E}">
-        <p14:creationId xmlns:p14="http://schemas.microsoft.com/office/powerpoint/2010/main" val="3067977501"/>
+        <p14:creationId xmlns:p14="http://schemas.microsoft.com/office/powerpoint/2010/main" val="4119763685"/>
       </p:ext>
     </p:extLst>
   </p:cSld>
@@ -6124,19 +6386,17 @@
       </p:sp>
       <p:pic>
         <p:nvPicPr>
-          <p:cNvPr id="10" name="Content Placeholder 9" descr="Chart&#10;&#10;Description automatically generated">
-            <a:extLst>
-              <a:ext uri="{FF2B5EF4-FFF2-40B4-BE49-F238E27FC236}">
-                <a16:creationId xmlns:a16="http://schemas.microsoft.com/office/drawing/2014/main" id="{A4DBEB7D-90CA-4F93-B97B-B524D3AD46CA}"/>
+          <p:cNvPr id="3" name="Picture 2" descr="Chart, histogram&#10;&#10;Description automatically generated">
+            <a:extLst>
+              <a:ext uri="{FF2B5EF4-FFF2-40B4-BE49-F238E27FC236}">
+                <a16:creationId xmlns:a16="http://schemas.microsoft.com/office/drawing/2014/main" id="{D05B2039-2F96-4A5C-845A-94E2351744D5}"/>
               </a:ext>
             </a:extLst>
           </p:cNvPr>
           <p:cNvPicPr>
-            <a:picLocks noGrp="1" noChangeAspect="1"/>
+            <a:picLocks noChangeAspect="1"/>
           </p:cNvPicPr>
-          <p:nvPr>
-            <p:ph sz="half" idx="2"/>
-          </p:nvPr>
+          <p:nvPr/>
         </p:nvPicPr>
         <p:blipFill>
           <a:blip r:embed="rId2">
@@ -6152,17 +6412,20 @@
         </p:blipFill>
         <p:spPr>
           <a:xfrm>
-            <a:off x="7089059" y="365125"/>
-            <a:ext cx="4542503" cy="3406877"/>
-          </a:xfrm>
+            <a:off x="7089059" y="3772002"/>
+            <a:ext cx="3974592" cy="2980944"/>
+          </a:xfrm>
+          <a:prstGeom prst="rect">
+            <a:avLst/>
+          </a:prstGeom>
         </p:spPr>
       </p:pic>
       <p:pic>
         <p:nvPicPr>
-          <p:cNvPr id="3" name="Picture 2" descr="Chart, histogram&#10;&#10;Description automatically generated">
-            <a:extLst>
-              <a:ext uri="{FF2B5EF4-FFF2-40B4-BE49-F238E27FC236}">
-                <a16:creationId xmlns:a16="http://schemas.microsoft.com/office/drawing/2014/main" id="{D05B2039-2F96-4A5C-845A-94E2351744D5}"/>
+          <p:cNvPr id="6" name="Picture 5" descr="Chart, line chart&#10;&#10;Description automatically generated">
+            <a:extLst>
+              <a:ext uri="{FF2B5EF4-FFF2-40B4-BE49-F238E27FC236}">
+                <a16:creationId xmlns:a16="http://schemas.microsoft.com/office/drawing/2014/main" id="{65972C9C-5FAF-4799-B525-73AC01E4997D}"/>
               </a:ext>
             </a:extLst>
           </p:cNvPr>
@@ -6185,8 +6448,8 @@
         </p:blipFill>
         <p:spPr>
           <a:xfrm>
-            <a:off x="7089059" y="3772002"/>
-            <a:ext cx="3974592" cy="2980944"/>
+            <a:off x="275303" y="1492250"/>
+            <a:ext cx="6667500" cy="5000625"/>
           </a:xfrm>
           <a:prstGeom prst="rect">
             <a:avLst/>
@@ -6195,10 +6458,10 @@
       </p:pic>
       <p:pic>
         <p:nvPicPr>
-          <p:cNvPr id="6" name="Picture 5" descr="Chart, line chart&#10;&#10;Description automatically generated">
-            <a:extLst>
-              <a:ext uri="{FF2B5EF4-FFF2-40B4-BE49-F238E27FC236}">
-                <a16:creationId xmlns:a16="http://schemas.microsoft.com/office/drawing/2014/main" id="{65972C9C-5FAF-4799-B525-73AC01E4997D}"/>
+          <p:cNvPr id="7" name="Picture 6" descr="Chart&#10;&#10;Description automatically generated">
+            <a:extLst>
+              <a:ext uri="{FF2B5EF4-FFF2-40B4-BE49-F238E27FC236}">
+                <a16:creationId xmlns:a16="http://schemas.microsoft.com/office/drawing/2014/main" id="{CE32791F-0B85-3B4B-A7F2-EABCA4D57F47}"/>
               </a:ext>
             </a:extLst>
           </p:cNvPr>
@@ -6221,8 +6484,8 @@
         </p:blipFill>
         <p:spPr>
           <a:xfrm>
-            <a:off x="275303" y="1492250"/>
-            <a:ext cx="6667500" cy="5000625"/>
+            <a:off x="7063837" y="513715"/>
+            <a:ext cx="4556295" cy="3410712"/>
           </a:xfrm>
           <a:prstGeom prst="rect">
             <a:avLst/>
@@ -6294,19 +6557,17 @@
       </p:sp>
       <p:pic>
         <p:nvPicPr>
-          <p:cNvPr id="10" name="Content Placeholder 9" descr="Chart&#10;&#10;Description automatically generated">
-            <a:extLst>
-              <a:ext uri="{FF2B5EF4-FFF2-40B4-BE49-F238E27FC236}">
-                <a16:creationId xmlns:a16="http://schemas.microsoft.com/office/drawing/2014/main" id="{A4DBEB7D-90CA-4F93-B97B-B524D3AD46CA}"/>
+          <p:cNvPr id="3" name="Picture 2" descr="Chart, histogram&#10;&#10;Description automatically generated">
+            <a:extLst>
+              <a:ext uri="{FF2B5EF4-FFF2-40B4-BE49-F238E27FC236}">
+                <a16:creationId xmlns:a16="http://schemas.microsoft.com/office/drawing/2014/main" id="{D7815FB3-D780-4D35-A23C-4B55FC447615}"/>
               </a:ext>
             </a:extLst>
           </p:cNvPr>
           <p:cNvPicPr>
-            <a:picLocks noGrp="1" noChangeAspect="1"/>
+            <a:picLocks noChangeAspect="1"/>
           </p:cNvPicPr>
-          <p:nvPr>
-            <p:ph sz="half" idx="2"/>
-          </p:nvPr>
+          <p:nvPr/>
         </p:nvPicPr>
         <p:blipFill>
           <a:blip r:embed="rId2">
@@ -6322,17 +6583,20 @@
         </p:blipFill>
         <p:spPr>
           <a:xfrm>
-            <a:off x="7089059" y="365125"/>
-            <a:ext cx="4542503" cy="3406877"/>
-          </a:xfrm>
+            <a:off x="7089059" y="3772002"/>
+            <a:ext cx="3974592" cy="2980944"/>
+          </a:xfrm>
+          <a:prstGeom prst="rect">
+            <a:avLst/>
+          </a:prstGeom>
         </p:spPr>
       </p:pic>
       <p:pic>
         <p:nvPicPr>
-          <p:cNvPr id="3" name="Picture 2" descr="Chart, histogram&#10;&#10;Description automatically generated">
-            <a:extLst>
-              <a:ext uri="{FF2B5EF4-FFF2-40B4-BE49-F238E27FC236}">
-                <a16:creationId xmlns:a16="http://schemas.microsoft.com/office/drawing/2014/main" id="{1BAB6A67-3AA1-4E0D-BFE4-0252C54ADFAC}"/>
+          <p:cNvPr id="6" name="Picture 5" descr="Chart&#10;&#10;Description automatically generated with medium confidence">
+            <a:extLst>
+              <a:ext uri="{FF2B5EF4-FFF2-40B4-BE49-F238E27FC236}">
+                <a16:creationId xmlns:a16="http://schemas.microsoft.com/office/drawing/2014/main" id="{1984F2B8-A852-47F9-84BB-5F99DD82BF14}"/>
               </a:ext>
             </a:extLst>
           </p:cNvPr>
@@ -6355,8 +6619,8 @@
         </p:blipFill>
         <p:spPr>
           <a:xfrm>
-            <a:off x="7089059" y="3772002"/>
-            <a:ext cx="3974592" cy="2980944"/>
+            <a:off x="86033" y="1492249"/>
+            <a:ext cx="6667500" cy="5000625"/>
           </a:xfrm>
           <a:prstGeom prst="rect">
             <a:avLst/>
@@ -6365,10 +6629,10 @@
       </p:pic>
       <p:pic>
         <p:nvPicPr>
-          <p:cNvPr id="6" name="Picture 5" descr="A picture containing chart&#10;&#10;Description automatically generated">
-            <a:extLst>
-              <a:ext uri="{FF2B5EF4-FFF2-40B4-BE49-F238E27FC236}">
-                <a16:creationId xmlns:a16="http://schemas.microsoft.com/office/drawing/2014/main" id="{B2F8CCE8-6807-4C99-B5EF-FFEB132407E6}"/>
+          <p:cNvPr id="7" name="Picture 6" descr="Chart&#10;&#10;Description automatically generated">
+            <a:extLst>
+              <a:ext uri="{FF2B5EF4-FFF2-40B4-BE49-F238E27FC236}">
+                <a16:creationId xmlns:a16="http://schemas.microsoft.com/office/drawing/2014/main" id="{4048985C-4A5D-FB4C-9D7A-8683D8475532}"/>
               </a:ext>
             </a:extLst>
           </p:cNvPr>
@@ -6391,8 +6655,8 @@
         </p:blipFill>
         <p:spPr>
           <a:xfrm>
-            <a:off x="155472" y="1492249"/>
-            <a:ext cx="6667500" cy="5000625"/>
+            <a:off x="7063837" y="513715"/>
+            <a:ext cx="4556295" cy="3410712"/>
           </a:xfrm>
           <a:prstGeom prst="rect">
             <a:avLst/>
@@ -6402,7 +6666,7 @@
     </p:spTree>
     <p:extLst>
       <p:ext uri="{BB962C8B-B14F-4D97-AF65-F5344CB8AC3E}">
-        <p14:creationId xmlns:p14="http://schemas.microsoft.com/office/powerpoint/2010/main" val="4119763685"/>
+        <p14:creationId xmlns:p14="http://schemas.microsoft.com/office/powerpoint/2010/main" val="3067977501"/>
       </p:ext>
     </p:extLst>
   </p:cSld>
@@ -6708,12 +6972,6 @@
 </file>
 
 <file path=customXml/item1.xml><?xml version="1.0" encoding="utf-8"?>
-<p:properties xmlns:p="http://schemas.microsoft.com/office/2006/metadata/properties" xmlns:xsi="http://www.w3.org/2001/XMLSchema-instance" xmlns:pc="http://schemas.microsoft.com/office/infopath/2007/PartnerControls">
-  <documentManagement/>
-</p:properties>
-</file>
-
-<file path=customXml/item2.xml><?xml version="1.0" encoding="utf-8"?>
 <ct:contentTypeSchema xmlns:ct="http://schemas.microsoft.com/office/2006/metadata/contentType" xmlns:ma="http://schemas.microsoft.com/office/2006/metadata/properties/metaAttributes" ct:_="" ma:_="" ma:contentTypeName="Document" ma:contentTypeID="0x010100678B61A444D69E4A9A20602E1C092D53" ma:contentTypeVersion="7" ma:contentTypeDescription="Create a new document." ma:contentTypeScope="" ma:versionID="eab6674a319847deff9426538165fa0e">
   <xsd:schema xmlns:xsd="http://www.w3.org/2001/XMLSchema" xmlns:xs="http://www.w3.org/2001/XMLSchema" xmlns:p="http://schemas.microsoft.com/office/2006/metadata/properties" xmlns:ns3="d738a0d9-f7f3-41d7-8641-8195baf251ff" xmlns:ns4="cabf7a65-a4fd-4bbc-b3a0-147a688f3e5e" targetNamespace="http://schemas.microsoft.com/office/2006/metadata/properties" ma:root="true" ma:fieldsID="9cc7a6b499c853e180508048ccee0eaf" ns3:_="" ns4:_="">
     <xsd:import namespace="d738a0d9-f7f3-41d7-8641-8195baf251ff"/>
@@ -6898,7 +7156,7 @@
 </ct:contentTypeSchema>
 </file>
 
-<file path=customXml/item3.xml><?xml version="1.0" encoding="utf-8"?>
+<file path=customXml/item2.xml><?xml version="1.0" encoding="utf-8"?>
 <?mso-contentType ?>
 <FormTemplates xmlns="http://schemas.microsoft.com/sharepoint/v3/contenttype/forms">
   <Display>DocumentLibraryForm</Display>
@@ -6907,24 +7165,13 @@
 </FormTemplates>
 </file>
 
-<file path=customXml/itemProps1.xml><?xml version="1.0" encoding="utf-8"?>
-<ds:datastoreItem xmlns:ds="http://schemas.openxmlformats.org/officeDocument/2006/customXml" ds:itemID="{3BC87E5C-778C-40D0-A6D3-3DE83C6BA816}">
-  <ds:schemaRefs>
-    <ds:schemaRef ds:uri="http://purl.org/dc/terms/"/>
-    <ds:schemaRef ds:uri="http://purl.org/dc/dcmitype/"/>
-    <ds:schemaRef ds:uri="http://schemas.microsoft.com/office/2006/metadata/properties"/>
-    <ds:schemaRef ds:uri="d738a0d9-f7f3-41d7-8641-8195baf251ff"/>
-    <ds:schemaRef ds:uri="http://purl.org/dc/elements/1.1/"/>
-    <ds:schemaRef ds:uri="http://schemas.microsoft.com/office/2006/documentManagement/types"/>
-    <ds:schemaRef ds:uri="http://www.w3.org/XML/1998/namespace"/>
-    <ds:schemaRef ds:uri="http://schemas.microsoft.com/office/infopath/2007/PartnerControls"/>
-    <ds:schemaRef ds:uri="http://schemas.openxmlformats.org/package/2006/metadata/core-properties"/>
-    <ds:schemaRef ds:uri="cabf7a65-a4fd-4bbc-b3a0-147a688f3e5e"/>
-  </ds:schemaRefs>
-</ds:datastoreItem>
+<file path=customXml/item3.xml><?xml version="1.0" encoding="utf-8"?>
+<p:properties xmlns:p="http://schemas.microsoft.com/office/2006/metadata/properties" xmlns:xsi="http://www.w3.org/2001/XMLSchema-instance" xmlns:pc="http://schemas.microsoft.com/office/infopath/2007/PartnerControls">
+  <documentManagement/>
+</p:properties>
 </file>
 
-<file path=customXml/itemProps2.xml><?xml version="1.0" encoding="utf-8"?>
+<file path=customXml/itemProps1.xml><?xml version="1.0" encoding="utf-8"?>
 <ds:datastoreItem xmlns:ds="http://schemas.openxmlformats.org/officeDocument/2006/customXml" ds:itemID="{A57B7865-281F-4933-92ED-4036A19D2359}">
   <ds:schemaRefs>
     <ds:schemaRef ds:uri="http://schemas.microsoft.com/office/2006/metadata/contentType"/>
@@ -6943,10 +7190,27 @@
 </ds:datastoreItem>
 </file>
 
-<file path=customXml/itemProps3.xml><?xml version="1.0" encoding="utf-8"?>
+<file path=customXml/itemProps2.xml><?xml version="1.0" encoding="utf-8"?>
 <ds:datastoreItem xmlns:ds="http://schemas.openxmlformats.org/officeDocument/2006/customXml" ds:itemID="{EA5B086E-9652-4EFC-BF73-D5D101373FF4}">
   <ds:schemaRefs>
     <ds:schemaRef ds:uri="http://schemas.microsoft.com/sharepoint/v3/contenttype/forms"/>
   </ds:schemaRefs>
 </ds:datastoreItem>
+</file>
+
+<file path=customXml/itemProps3.xml><?xml version="1.0" encoding="utf-8"?>
+<ds:datastoreItem xmlns:ds="http://schemas.openxmlformats.org/officeDocument/2006/customXml" ds:itemID="{3BC87E5C-778C-40D0-A6D3-3DE83C6BA816}">
+  <ds:schemaRefs>
+    <ds:schemaRef ds:uri="http://purl.org/dc/terms/"/>
+    <ds:schemaRef ds:uri="http://purl.org/dc/dcmitype/"/>
+    <ds:schemaRef ds:uri="http://schemas.microsoft.com/office/2006/metadata/properties"/>
+    <ds:schemaRef ds:uri="d738a0d9-f7f3-41d7-8641-8195baf251ff"/>
+    <ds:schemaRef ds:uri="http://purl.org/dc/elements/1.1/"/>
+    <ds:schemaRef ds:uri="http://schemas.microsoft.com/office/2006/documentManagement/types"/>
+    <ds:schemaRef ds:uri="http://www.w3.org/XML/1998/namespace"/>
+    <ds:schemaRef ds:uri="http://schemas.microsoft.com/office/infopath/2007/PartnerControls"/>
+    <ds:schemaRef ds:uri="http://schemas.openxmlformats.org/package/2006/metadata/core-properties"/>
+    <ds:schemaRef ds:uri="cabf7a65-a4fd-4bbc-b3a0-147a688f3e5e"/>
+  </ds:schemaRefs>
+</ds:datastoreItem>
 </file>